--- a/public/推課海大_期末報告.pptx
+++ b/public/推課海大_期末報告.pptx
@@ -1258,9 +1258,10 @@
           <a:p>
             <a:pPr rtl="0"/>
             <a:r>
-              <a:rPr lang="zh-TW" altLang="en-US" noProof="0"/>
+              <a:rPr lang="zh-TW" altLang="en-US" noProof="0" smtClean="0"/>
               <a:t>按一下以編輯母片標題樣式</a:t>
             </a:r>
+            <a:endParaRPr lang="zh-TW" altLang="en-US" noProof="0"/>
           </a:p>
         </p:txBody>
       </p:sp>
@@ -1544,9 +1545,10 @@
           <a:p>
             <a:pPr rtl="0"/>
             <a:r>
-              <a:rPr lang="zh-TW" altLang="en-US" noProof="0"/>
+              <a:rPr lang="zh-TW" altLang="en-US" noProof="0" smtClean="0"/>
               <a:t>按一下以編輯母片標題樣式</a:t>
             </a:r>
+            <a:endParaRPr lang="zh-TW" altLang="en-US" noProof="0"/>
           </a:p>
         </p:txBody>
       </p:sp>
@@ -1805,9 +1807,10 @@
           <a:p>
             <a:pPr rtl="0"/>
             <a:r>
-              <a:rPr lang="zh-TW" altLang="en-US" noProof="0"/>
+              <a:rPr lang="zh-TW" altLang="en-US" noProof="0" smtClean="0"/>
               <a:t>按一下以編輯母片標題樣式</a:t>
             </a:r>
+            <a:endParaRPr lang="zh-TW" altLang="en-US" noProof="0"/>
           </a:p>
         </p:txBody>
       </p:sp>
@@ -2066,9 +2069,10 @@
           <a:p>
             <a:pPr rtl="0"/>
             <a:r>
-              <a:rPr lang="zh-TW" altLang="en-US" noProof="0"/>
+              <a:rPr lang="zh-TW" altLang="en-US" noProof="0" smtClean="0"/>
               <a:t>按一下以編輯母片標題樣式</a:t>
             </a:r>
+            <a:endParaRPr lang="zh-TW" altLang="en-US" noProof="0"/>
           </a:p>
         </p:txBody>
       </p:sp>
@@ -2329,9 +2333,10 @@
           <a:p>
             <a:pPr rtl="0"/>
             <a:r>
-              <a:rPr lang="zh-TW" altLang="en-US" noProof="0"/>
+              <a:rPr lang="zh-TW" altLang="en-US" noProof="0" smtClean="0"/>
               <a:t>按一下以編輯母片標題樣式</a:t>
             </a:r>
+            <a:endParaRPr lang="zh-TW" altLang="en-US" noProof="0"/>
           </a:p>
         </p:txBody>
       </p:sp>
@@ -2635,9 +2640,10 @@
           <a:p>
             <a:pPr rtl="0"/>
             <a:r>
-              <a:rPr lang="zh-TW" altLang="en-US" noProof="0"/>
+              <a:rPr lang="zh-TW" altLang="en-US" noProof="0" smtClean="0"/>
               <a:t>按一下以編輯母片標題樣式</a:t>
             </a:r>
+            <a:endParaRPr lang="zh-TW" altLang="en-US" noProof="0"/>
           </a:p>
         </p:txBody>
       </p:sp>
@@ -3020,9 +3026,10 @@
           <a:p>
             <a:pPr rtl="0"/>
             <a:r>
-              <a:rPr lang="zh-TW" altLang="en-US" noProof="0"/>
+              <a:rPr lang="zh-TW" altLang="en-US" noProof="0" smtClean="0"/>
               <a:t>按一下以編輯母片標題樣式</a:t>
             </a:r>
+            <a:endParaRPr lang="zh-TW" altLang="en-US" noProof="0"/>
           </a:p>
         </p:txBody>
       </p:sp>
@@ -3526,9 +3533,10 @@
           <a:p>
             <a:pPr rtl="0"/>
             <a:r>
-              <a:rPr lang="zh-TW" altLang="en-US" noProof="0"/>
+              <a:rPr lang="zh-TW" altLang="en-US" noProof="0" smtClean="0"/>
               <a:t>按一下以編輯母片標題樣式</a:t>
             </a:r>
+            <a:endParaRPr lang="zh-TW" altLang="en-US" noProof="0"/>
           </a:p>
         </p:txBody>
       </p:sp>
@@ -3827,9 +3835,10 @@
           <a:p>
             <a:pPr rtl="0"/>
             <a:r>
-              <a:rPr lang="zh-TW" altLang="en-US" noProof="0"/>
+              <a:rPr lang="zh-TW" altLang="en-US" noProof="0" smtClean="0"/>
               <a:t>按一下以編輯母片標題樣式</a:t>
             </a:r>
+            <a:endParaRPr lang="zh-TW" altLang="en-US" noProof="0"/>
           </a:p>
         </p:txBody>
       </p:sp>
@@ -4170,9 +4179,10 @@
           <a:p>
             <a:pPr rtl="0"/>
             <a:r>
-              <a:rPr lang="zh-TW" altLang="en-US" noProof="0"/>
+              <a:rPr lang="zh-TW" altLang="en-US" noProof="0" smtClean="0"/>
               <a:t>按一下以編輯母片標題樣式</a:t>
             </a:r>
+            <a:endParaRPr lang="zh-TW" altLang="en-US" noProof="0"/>
           </a:p>
         </p:txBody>
       </p:sp>
@@ -4243,9 +4253,10 @@
           <a:p>
             <a:pPr rtl="0"/>
             <a:r>
-              <a:rPr lang="zh-TW" altLang="en-US" noProof="0"/>
+              <a:rPr lang="zh-TW" altLang="en-US" noProof="0" smtClean="0"/>
               <a:t>按一下圖示以新增圖片</a:t>
             </a:r>
+            <a:endParaRPr lang="zh-TW" altLang="en-US" noProof="0"/>
           </a:p>
         </p:txBody>
       </p:sp>
@@ -5098,8 +5109,12 @@
           <a:p>
             <a:pPr rtl="0"/>
             <a:r>
+              <a:rPr lang="zh-TW" altLang="en-US" dirty="0" smtClean="0"/>
+              <a:t>推課海</a:t>
+            </a:r>
+            <a:r>
               <a:rPr lang="zh-TW" altLang="en-US" dirty="0"/>
-              <a:t>推課海大</a:t>
+              <a:t>大</a:t>
             </a:r>
             <a:endParaRPr lang="zh-TW" altLang="en-US" dirty="0">
               <a:latin typeface="Microsoft JhengHei UI" panose="020B0604030504040204" pitchFamily="34" charset="-120"/>
@@ -5126,8 +5141,16 @@
           <a:lstStyle/>
           <a:p>
             <a:r>
+              <a:rPr lang="zh-TW" altLang="en-US" dirty="0" smtClean="0"/>
+              <a:t>組</a:t>
+            </a:r>
+            <a:r>
               <a:rPr lang="zh-TW" altLang="en-US" dirty="0"/>
-              <a:t>組員： </a:t>
+              <a:t>員</a:t>
+            </a:r>
+            <a:r>
+              <a:rPr lang="zh-TW" altLang="en-US" dirty="0" smtClean="0"/>
+              <a:t>： </a:t>
             </a:r>
             <a:r>
               <a:rPr lang="en-US" altLang="zh-TW" dirty="0"/>
@@ -5135,19 +5158,27 @@
             </a:r>
             <a:r>
               <a:rPr lang="zh-TW" altLang="zh-TW" dirty="0"/>
-              <a:t>洪晟洋</a:t>
+              <a:t>洪晟</a:t>
+            </a:r>
+            <a:r>
+              <a:rPr lang="zh-TW" altLang="zh-TW" dirty="0" smtClean="0"/>
+              <a:t>洋</a:t>
             </a:r>
             <a:r>
               <a:rPr lang="zh-TW" altLang="en-US" dirty="0"/>
               <a:t>、</a:t>
             </a:r>
             <a:r>
-              <a:rPr lang="en-US" altLang="zh-TW" dirty="0"/>
+              <a:rPr lang="en-US" altLang="zh-TW" dirty="0" smtClean="0"/>
               <a:t>00657049 </a:t>
             </a:r>
             <a:r>
               <a:rPr lang="zh-TW" altLang="zh-TW" dirty="0"/>
-              <a:t>黃姿涵</a:t>
+              <a:t>黃姿</a:t>
+            </a:r>
+            <a:r>
+              <a:rPr lang="zh-TW" altLang="zh-TW" dirty="0" smtClean="0"/>
+              <a:t>涵</a:t>
             </a:r>
             <a:r>
               <a:rPr lang="en-US" altLang="zh-TW" dirty="0"/>
@@ -5158,18 +5189,22 @@
               <a:t>未修課</a:t>
             </a:r>
             <a:r>
-              <a:rPr lang="en-US" altLang="zh-TW" dirty="0"/>
+              <a:rPr lang="en-US" altLang="zh-TW" dirty="0" smtClean="0"/>
               <a:t>)</a:t>
             </a:r>
           </a:p>
           <a:p>
             <a:r>
-              <a:rPr lang="en-US" altLang="zh-TW" dirty="0"/>
+              <a:rPr lang="en-US" altLang="zh-TW" dirty="0" smtClean="0"/>
               <a:t>00657044 </a:t>
             </a:r>
             <a:r>
               <a:rPr lang="zh-TW" altLang="zh-TW" dirty="0"/>
-              <a:t>龔若齊</a:t>
+              <a:t>龔若</a:t>
+            </a:r>
+            <a:r>
+              <a:rPr lang="zh-TW" altLang="zh-TW" dirty="0" smtClean="0"/>
+              <a:t>齊</a:t>
             </a:r>
             <a:r>
               <a:rPr lang="en-US" altLang="zh-TW" dirty="0"/>
@@ -5180,11 +5215,11 @@
               <a:t>未修課</a:t>
             </a:r>
             <a:r>
-              <a:rPr lang="en-US" altLang="zh-TW" dirty="0"/>
+              <a:rPr lang="en-US" altLang="zh-TW" dirty="0" smtClean="0"/>
               <a:t>)</a:t>
             </a:r>
             <a:r>
-              <a:rPr lang="zh-TW" altLang="zh-TW" dirty="0"/>
+              <a:rPr lang="zh-TW" altLang="zh-TW" dirty="0" smtClean="0"/>
               <a:t>、</a:t>
             </a:r>
             <a:r>
@@ -5193,18 +5228,22 @@
             </a:r>
             <a:r>
               <a:rPr lang="zh-TW" altLang="zh-TW" dirty="0"/>
-              <a:t>王瑋</a:t>
-            </a:r>
-            <a:r>
-              <a:rPr lang="en-US" altLang="zh-TW" dirty="0"/>
+              <a:t>王</a:t>
+            </a:r>
+            <a:r>
+              <a:rPr lang="zh-TW" altLang="zh-TW" dirty="0" smtClean="0"/>
+              <a:t>瑋</a:t>
+            </a:r>
+            <a:r>
+              <a:rPr lang="en-US" altLang="zh-TW" dirty="0" smtClean="0"/>
               <a:t>(</a:t>
             </a:r>
             <a:r>
-              <a:rPr lang="zh-TW" altLang="en-US" dirty="0"/>
+              <a:rPr lang="zh-TW" altLang="en-US" dirty="0" smtClean="0"/>
               <a:t>未修課</a:t>
             </a:r>
             <a:r>
-              <a:rPr lang="en-US" altLang="zh-TW" dirty="0"/>
+              <a:rPr lang="en-US" altLang="zh-TW" dirty="0" smtClean="0"/>
               <a:t>)</a:t>
             </a:r>
             <a:endParaRPr lang="zh-TW" altLang="zh-TW" dirty="0"/>
@@ -5233,6 +5272,13 @@
       </p:transition>
     </mc:Fallback>
   </mc:AlternateContent>
+  <p:timing>
+    <p:tnLst>
+      <p:par>
+        <p:cTn id="1" dur="indefinite" restart="never" nodeType="tmRoot"/>
+      </p:par>
+    </p:tnLst>
+  </p:timing>
 </p:sld>
 </file>
 
@@ -5269,9 +5315,10 @@
           <a:lstStyle/>
           <a:p>
             <a:r>
-              <a:rPr lang="zh-TW" altLang="en-US" dirty="0"/>
+              <a:rPr lang="zh-TW" altLang="en-US" dirty="0" smtClean="0"/>
               <a:t>主題：修課心得交流平台</a:t>
             </a:r>
+            <a:endParaRPr lang="zh-TW" altLang="en-US" dirty="0"/>
           </a:p>
         </p:txBody>
       </p:sp>
@@ -5291,38 +5338,46 @@
           <a:lstStyle/>
           <a:p>
             <a:r>
+              <a:rPr lang="zh-TW" altLang="en-US" dirty="0" smtClean="0"/>
+              <a:t>建立課程心得的交流平台給海大的學生，讓大家發表修課心得，給予推薦指數。</a:t>
+            </a:r>
+            <a:endParaRPr lang="en-US" altLang="zh-TW" dirty="0" smtClean="0"/>
+          </a:p>
+          <a:p>
+            <a:r>
+              <a:rPr lang="zh-TW" altLang="en-US" dirty="0" smtClean="0"/>
+              <a:t>每個課程會有專門的心得區以及提問區</a:t>
+            </a:r>
+            <a:endParaRPr lang="en-US" altLang="zh-TW" dirty="0" smtClean="0"/>
+          </a:p>
+          <a:p>
+            <a:r>
+              <a:rPr lang="zh-TW" altLang="en-US" dirty="0" smtClean="0"/>
+              <a:t>可以在心得區發表修課心得，以及推薦指數。</a:t>
+            </a:r>
+            <a:endParaRPr lang="en-US" altLang="zh-TW" dirty="0" smtClean="0"/>
+          </a:p>
+          <a:p>
+            <a:r>
+              <a:rPr lang="zh-TW" altLang="en-US" dirty="0" smtClean="0"/>
+              <a:t>可以</a:t>
+            </a:r>
+            <a:r>
               <a:rPr lang="zh-TW" altLang="en-US" dirty="0"/>
-              <a:t>建立課程心得的交流平台給海大的學生，讓大家發表修課心得，給予推薦指數。</a:t>
-            </a:r>
-            <a:endParaRPr lang="en-US" altLang="zh-TW" dirty="0"/>
-          </a:p>
-          <a:p>
-            <a:r>
-              <a:rPr lang="zh-TW" altLang="en-US" dirty="0"/>
-              <a:t>每個課程會有專門的心得區以及提問區</a:t>
-            </a:r>
-            <a:endParaRPr lang="en-US" altLang="zh-TW" dirty="0"/>
-          </a:p>
-          <a:p>
-            <a:r>
-              <a:rPr lang="zh-TW" altLang="en-US" dirty="0"/>
-              <a:t>可以在心得區發表修課心得，以及推薦指數。</a:t>
-            </a:r>
-            <a:endParaRPr lang="en-US" altLang="zh-TW" dirty="0"/>
-          </a:p>
-          <a:p>
-            <a:r>
-              <a:rPr lang="zh-TW" altLang="en-US" dirty="0"/>
-              <a:t>可以在提問區，提出對於課程內容的疑問，其他使用者可以給予回答</a:t>
-            </a:r>
-            <a:endParaRPr lang="en-US" altLang="zh-TW" dirty="0"/>
-          </a:p>
-          <a:p>
-            <a:r>
-              <a:rPr lang="zh-TW" altLang="en-US" dirty="0"/>
+              <a:t>在</a:t>
+            </a:r>
+            <a:r>
+              <a:rPr lang="zh-TW" altLang="en-US" dirty="0" smtClean="0"/>
+              <a:t>提問區，提出對於課程內容的疑問，其他使用者可以給予回答</a:t>
+            </a:r>
+            <a:endParaRPr lang="en-US" altLang="zh-TW" dirty="0" smtClean="0"/>
+          </a:p>
+          <a:p>
+            <a:r>
+              <a:rPr lang="zh-TW" altLang="en-US" dirty="0" smtClean="0"/>
               <a:t>做出搜尋系統，尋找特定的系所，老師所開的課程</a:t>
             </a:r>
-            <a:endParaRPr lang="en-US" altLang="zh-TW" dirty="0"/>
+            <a:endParaRPr lang="en-US" altLang="zh-TW" dirty="0" smtClean="0"/>
           </a:p>
         </p:txBody>
       </p:sp>
@@ -5348,6 +5403,13 @@
       </p:transition>
     </mc:Fallback>
   </mc:AlternateContent>
+  <p:timing>
+    <p:tnLst>
+      <p:par>
+        <p:cTn id="1" dur="indefinite" restart="never" nodeType="tmRoot"/>
+      </p:par>
+    </p:tnLst>
+  </p:timing>
 </p:sld>
 </file>
 
@@ -5384,9 +5446,10 @@
           <a:lstStyle/>
           <a:p>
             <a:r>
-              <a:rPr lang="zh-TW" altLang="en-US" dirty="0"/>
+              <a:rPr lang="zh-TW" altLang="en-US" dirty="0" smtClean="0"/>
               <a:t>特色</a:t>
             </a:r>
+            <a:endParaRPr lang="zh-TW" altLang="en-US" dirty="0"/>
           </a:p>
         </p:txBody>
       </p:sp>
@@ -5406,31 +5469,31 @@
           <a:lstStyle/>
           <a:p>
             <a:r>
-              <a:rPr lang="zh-TW" altLang="en-US" dirty="0"/>
+              <a:rPr lang="zh-TW" altLang="en-US" dirty="0" smtClean="0"/>
               <a:t>介面簡潔，清楚明瞭</a:t>
             </a:r>
+            <a:endParaRPr lang="en-US" altLang="zh-TW" dirty="0" smtClean="0"/>
+          </a:p>
+          <a:p>
+            <a:r>
+              <a:rPr lang="zh-TW" altLang="en-US" dirty="0" smtClean="0"/>
+              <a:t>搜尋功能，迅速方便</a:t>
+            </a:r>
+            <a:endParaRPr lang="en-US" altLang="zh-TW" dirty="0" smtClean="0"/>
+          </a:p>
+          <a:p>
+            <a:r>
+              <a:rPr lang="zh-TW" altLang="en-US" dirty="0" smtClean="0"/>
+              <a:t>留言討論，互相交流</a:t>
+            </a:r>
             <a:endParaRPr lang="en-US" altLang="zh-TW" dirty="0"/>
           </a:p>
           <a:p>
             <a:r>
-              <a:rPr lang="zh-TW" altLang="en-US" dirty="0"/>
-              <a:t>搜尋功能，迅速方便</a:t>
-            </a:r>
-            <a:endParaRPr lang="en-US" altLang="zh-TW" dirty="0"/>
-          </a:p>
-          <a:p>
-            <a:r>
-              <a:rPr lang="zh-TW" altLang="en-US" dirty="0"/>
-              <a:t>留言討論，互相交流</a:t>
-            </a:r>
-            <a:endParaRPr lang="en-US" altLang="zh-TW" dirty="0"/>
-          </a:p>
-          <a:p>
-            <a:r>
-              <a:rPr lang="zh-TW" altLang="en-US" dirty="0"/>
+              <a:rPr lang="zh-TW" altLang="en-US" dirty="0" smtClean="0"/>
               <a:t>推薦功能，實際有效</a:t>
             </a:r>
-            <a:endParaRPr lang="en-US" altLang="zh-TW" dirty="0"/>
+            <a:endParaRPr lang="en-US" altLang="zh-TW" dirty="0" smtClean="0"/>
           </a:p>
         </p:txBody>
       </p:sp>
@@ -5456,6 +5519,13 @@
       </p:transition>
     </mc:Fallback>
   </mc:AlternateContent>
+  <p:timing>
+    <p:tnLst>
+      <p:par>
+        <p:cTn id="1" dur="indefinite" restart="never" nodeType="tmRoot"/>
+      </p:par>
+    </p:tnLst>
+  </p:timing>
 </p:sld>
 </file>
 
@@ -5492,9 +5562,10 @@
           <a:lstStyle/>
           <a:p>
             <a:r>
-              <a:rPr lang="zh-TW" altLang="en-US" dirty="0"/>
+              <a:rPr lang="zh-TW" altLang="en-US" dirty="0" smtClean="0"/>
               <a:t>網站架構</a:t>
             </a:r>
+            <a:endParaRPr lang="zh-TW" altLang="en-US" dirty="0"/>
           </a:p>
         </p:txBody>
       </p:sp>
@@ -5546,6 +5617,13 @@
       </p:transition>
     </mc:Fallback>
   </mc:AlternateContent>
+  <p:timing>
+    <p:tnLst>
+      <p:par>
+        <p:cTn id="1" dur="indefinite" restart="never" nodeType="tmRoot"/>
+      </p:par>
+    </p:tnLst>
+  </p:timing>
 </p:sld>
 </file>
 
@@ -5582,9 +5660,10 @@
           <a:lstStyle/>
           <a:p>
             <a:r>
-              <a:rPr lang="zh-TW" altLang="en-US" dirty="0"/>
+              <a:rPr lang="zh-TW" altLang="en-US" dirty="0" smtClean="0"/>
               <a:t>分工</a:t>
             </a:r>
+            <a:endParaRPr lang="zh-TW" altLang="en-US" dirty="0"/>
           </a:p>
         </p:txBody>
       </p:sp>
@@ -5629,9 +5708,10 @@
                     <a:lstStyle/>
                     <a:p>
                       <a:r>
-                        <a:rPr lang="zh-TW" altLang="en-US" dirty="0"/>
+                        <a:rPr lang="zh-TW" altLang="en-US" dirty="0" smtClean="0"/>
                         <a:t>洪晟洋</a:t>
                       </a:r>
+                      <a:endParaRPr lang="zh-TW" altLang="en-US" dirty="0"/>
                     </a:p>
                   </a:txBody>
                   <a:tcPr/>
@@ -5649,27 +5729,27 @@
                     <a:lstStyle/>
                     <a:p>
                       <a:r>
-                        <a:rPr lang="zh-TW" altLang="en-US" dirty="0"/>
+                        <a:rPr lang="zh-TW" altLang="en-US" dirty="0" smtClean="0"/>
                         <a:t>爬蟲</a:t>
                       </a:r>
-                      <a:endParaRPr lang="en-US" altLang="zh-TW" dirty="0"/>
+                      <a:endParaRPr lang="en-US" altLang="zh-TW" dirty="0" smtClean="0"/>
                     </a:p>
                     <a:p>
                       <a:r>
-                        <a:rPr lang="zh-TW" altLang="en-US" dirty="0"/>
+                        <a:rPr lang="zh-TW" altLang="en-US" dirty="0" smtClean="0"/>
                         <a:t>網頁設計</a:t>
                       </a:r>
-                      <a:endParaRPr lang="en-US" altLang="zh-TW" dirty="0"/>
+                      <a:endParaRPr lang="en-US" altLang="zh-TW" dirty="0" smtClean="0"/>
                     </a:p>
                     <a:p>
                       <a:r>
-                        <a:rPr lang="zh-TW" altLang="en-US" dirty="0"/>
+                        <a:rPr lang="zh-TW" altLang="en-US" dirty="0" smtClean="0"/>
                         <a:t>前後端連結</a:t>
                       </a:r>
-                      <a:endParaRPr lang="en-US" altLang="zh-TW" dirty="0"/>
+                      <a:endParaRPr lang="en-US" altLang="zh-TW" dirty="0" smtClean="0"/>
                     </a:p>
                     <a:p>
-                      <a:endParaRPr lang="en-US" altLang="zh-TW" dirty="0"/>
+                      <a:endParaRPr lang="en-US" altLang="zh-TW" dirty="0" smtClean="0"/>
                     </a:p>
                   </a:txBody>
                   <a:tcPr/>
@@ -5724,9 +5804,10 @@
                     <a:lstStyle/>
                     <a:p>
                       <a:r>
-                        <a:rPr lang="zh-TW" altLang="en-US" dirty="0"/>
+                        <a:rPr lang="zh-TW" altLang="en-US" dirty="0" smtClean="0"/>
                         <a:t>黃姿涵</a:t>
                       </a:r>
+                      <a:endParaRPr lang="zh-TW" altLang="en-US" dirty="0"/>
                     </a:p>
                   </a:txBody>
                   <a:tcPr/>
@@ -5744,23 +5825,24 @@
                     <a:lstStyle/>
                     <a:p>
                       <a:r>
-                        <a:rPr lang="zh-TW" altLang="en-US" dirty="0"/>
+                        <a:rPr lang="zh-TW" altLang="en-US" dirty="0" smtClean="0"/>
                         <a:t>網頁設計</a:t>
                       </a:r>
-                      <a:endParaRPr lang="en-US" altLang="zh-TW" dirty="0"/>
+                      <a:endParaRPr lang="en-US" altLang="zh-TW" dirty="0" smtClean="0"/>
                     </a:p>
                     <a:p>
                       <a:r>
-                        <a:rPr lang="zh-TW" altLang="en-US" dirty="0"/>
+                        <a:rPr lang="zh-TW" altLang="en-US" dirty="0" smtClean="0"/>
                         <a:t>網頁架構</a:t>
                       </a:r>
-                      <a:endParaRPr lang="en-US" altLang="zh-TW" dirty="0"/>
+                      <a:endParaRPr lang="en-US" altLang="zh-TW" dirty="0" smtClean="0"/>
                     </a:p>
                     <a:p>
                       <a:r>
-                        <a:rPr lang="zh-TW" altLang="en-US" dirty="0"/>
+                        <a:rPr lang="zh-TW" altLang="en-US" dirty="0" smtClean="0"/>
                         <a:t>美術設計</a:t>
                       </a:r>
+                      <a:endParaRPr lang="zh-TW" altLang="en-US" dirty="0"/>
                     </a:p>
                   </a:txBody>
                   <a:tcPr/>
@@ -5815,9 +5897,10 @@
                     <a:lstStyle/>
                     <a:p>
                       <a:r>
-                        <a:rPr lang="zh-TW" altLang="en-US" dirty="0"/>
+                        <a:rPr lang="zh-TW" altLang="en-US" dirty="0" smtClean="0"/>
                         <a:t>龔若齊</a:t>
                       </a:r>
+                      <a:endParaRPr lang="zh-TW" altLang="en-US" dirty="0"/>
                     </a:p>
                   </a:txBody>
                   <a:tcPr/>
@@ -5835,9 +5918,10 @@
                     <a:lstStyle/>
                     <a:p>
                       <a:r>
-                        <a:rPr lang="zh-TW" altLang="en-US" dirty="0"/>
+                        <a:rPr lang="zh-TW" altLang="en-US" dirty="0" smtClean="0"/>
                         <a:t>提供參考資料</a:t>
                       </a:r>
+                      <a:endParaRPr lang="zh-TW" altLang="en-US" dirty="0"/>
                     </a:p>
                   </a:txBody>
                   <a:tcPr/>
@@ -5892,9 +5976,10 @@
                     <a:lstStyle/>
                     <a:p>
                       <a:r>
-                        <a:rPr lang="zh-TW" altLang="en-US" dirty="0"/>
+                        <a:rPr lang="zh-TW" altLang="en-US" dirty="0" smtClean="0"/>
                         <a:t>王瑋</a:t>
                       </a:r>
+                      <a:endParaRPr lang="zh-TW" altLang="en-US" dirty="0"/>
                     </a:p>
                   </a:txBody>
                   <a:tcPr/>
@@ -5912,23 +5997,24 @@
                     <a:lstStyle/>
                     <a:p>
                       <a:r>
-                        <a:rPr lang="zh-TW" altLang="en-US" dirty="0"/>
+                        <a:rPr lang="zh-TW" altLang="en-US" dirty="0" smtClean="0"/>
                         <a:t>建立資料庫</a:t>
                       </a:r>
-                      <a:endParaRPr lang="en-US" altLang="zh-TW" dirty="0"/>
+                      <a:endParaRPr lang="en-US" altLang="zh-TW" dirty="0" smtClean="0"/>
                     </a:p>
                     <a:p>
                       <a:r>
-                        <a:rPr lang="zh-TW" altLang="en-US" dirty="0"/>
+                        <a:rPr lang="zh-TW" altLang="en-US" dirty="0" smtClean="0"/>
                         <a:t>後端介面設計</a:t>
                       </a:r>
-                      <a:endParaRPr lang="en-US" altLang="zh-TW" dirty="0"/>
+                      <a:endParaRPr lang="en-US" altLang="zh-TW" dirty="0" smtClean="0"/>
                     </a:p>
                     <a:p>
                       <a:r>
-                        <a:rPr lang="zh-TW" altLang="en-US" dirty="0"/>
+                        <a:rPr lang="zh-TW" altLang="en-US" dirty="0" smtClean="0"/>
                         <a:t>資料搜尋</a:t>
                       </a:r>
+                      <a:endParaRPr lang="zh-TW" altLang="en-US" dirty="0"/>
                     </a:p>
                   </a:txBody>
                   <a:tcPr/>
@@ -6001,9 +6087,10 @@
           <a:lstStyle/>
           <a:p>
             <a:r>
-              <a:rPr lang="zh-TW" altLang="en-US" dirty="0"/>
+              <a:rPr lang="zh-TW" altLang="en-US" dirty="0" smtClean="0"/>
               <a:t>使用技術</a:t>
             </a:r>
+            <a:endParaRPr lang="zh-TW" altLang="en-US" dirty="0"/>
           </a:p>
         </p:txBody>
       </p:sp>
@@ -6019,16 +6106,14 @@
         </p:nvSpPr>
         <p:spPr/>
         <p:txBody>
-          <a:bodyPr anchor="ctr">
-            <a:normAutofit lnSpcReduction="10000"/>
-          </a:bodyPr>
+          <a:bodyPr anchor="ctr"/>
           <a:lstStyle/>
           <a:p>
             <a:r>
-              <a:rPr lang="zh-TW" altLang="en-US" dirty="0"/>
+              <a:rPr lang="zh-TW" altLang="en-US" dirty="0" smtClean="0"/>
               <a:t>基本技術</a:t>
             </a:r>
-            <a:endParaRPr lang="en-US" altLang="zh-TW" dirty="0"/>
+            <a:endParaRPr lang="en-US" altLang="zh-TW" dirty="0" smtClean="0"/>
           </a:p>
           <a:p>
             <a:pPr marL="736282" lvl="1" indent="-457200">
@@ -6036,7 +6121,7 @@
               <a:buAutoNum type="arabicPeriod"/>
             </a:pPr>
             <a:r>
-              <a:rPr lang="en-US" altLang="zh-TW" dirty="0"/>
+              <a:rPr lang="en-US" altLang="zh-TW" dirty="0" smtClean="0"/>
               <a:t>HTML</a:t>
             </a:r>
           </a:p>
@@ -6046,7 +6131,7 @@
               <a:buAutoNum type="arabicPeriod"/>
             </a:pPr>
             <a:r>
-              <a:rPr lang="en-US" altLang="zh-TW" dirty="0"/>
+              <a:rPr lang="en-US" altLang="zh-TW" dirty="0" smtClean="0"/>
               <a:t>CSS</a:t>
             </a:r>
           </a:p>
@@ -6056,16 +6141,20 @@
               <a:buAutoNum type="arabicPeriod"/>
             </a:pPr>
             <a:r>
-              <a:rPr lang="en-US" altLang="zh-TW" dirty="0"/>
+              <a:rPr lang="en-US" altLang="zh-TW" dirty="0" smtClean="0"/>
               <a:t>JavaScript</a:t>
             </a:r>
           </a:p>
           <a:p>
             <a:r>
+              <a:rPr lang="zh-TW" altLang="en-US" dirty="0" smtClean="0"/>
+              <a:t>進階</a:t>
+            </a:r>
+            <a:r>
               <a:rPr lang="zh-TW" altLang="en-US" dirty="0"/>
-              <a:t>進階技術</a:t>
-            </a:r>
-            <a:endParaRPr lang="en-US" altLang="zh-TW" dirty="0"/>
+              <a:t>技術</a:t>
+            </a:r>
+            <a:endParaRPr lang="en-US" altLang="zh-TW" dirty="0" smtClean="0"/>
           </a:p>
           <a:p>
             <a:pPr marL="621982" lvl="1" indent="-342900">
@@ -6073,18 +6162,18 @@
               <a:buAutoNum type="arabicPeriod"/>
             </a:pPr>
             <a:r>
-              <a:rPr lang="en-US" altLang="zh-TW" dirty="0" err="1"/>
+              <a:rPr lang="en-US" altLang="zh-TW" dirty="0" err="1" smtClean="0"/>
               <a:t>DataBase</a:t>
             </a:r>
             <a:r>
-              <a:rPr lang="en-US" altLang="zh-TW" dirty="0"/>
+              <a:rPr lang="en-US" altLang="zh-TW" dirty="0" smtClean="0"/>
               <a:t> &amp; </a:t>
             </a:r>
             <a:r>
-              <a:rPr lang="en-US" altLang="zh-TW" dirty="0" err="1"/>
+              <a:rPr lang="en-US" altLang="zh-TW" dirty="0" err="1" smtClean="0"/>
               <a:t>php</a:t>
             </a:r>
-            <a:endParaRPr lang="en-US" altLang="zh-TW" dirty="0"/>
+            <a:endParaRPr lang="en-US" altLang="zh-TW" dirty="0" smtClean="0"/>
           </a:p>
           <a:p>
             <a:pPr marL="621982" lvl="1" indent="-342900">
@@ -6092,7 +6181,7 @@
               <a:buAutoNum type="arabicPeriod"/>
             </a:pPr>
             <a:r>
-              <a:rPr lang="en-US" altLang="zh-TW" dirty="0"/>
+              <a:rPr lang="en-US" altLang="zh-TW" dirty="0" smtClean="0"/>
               <a:t>jQuery</a:t>
             </a:r>
           </a:p>
@@ -6102,10 +6191,10 @@
               <a:buAutoNum type="arabicPeriod"/>
             </a:pPr>
             <a:r>
-              <a:rPr lang="en-US" altLang="zh-TW" dirty="0" err="1"/>
+              <a:rPr lang="en-US" altLang="zh-TW" dirty="0" err="1" smtClean="0"/>
               <a:t>Boostrap</a:t>
             </a:r>
-            <a:endParaRPr lang="en-US" altLang="zh-TW" dirty="0"/>
+            <a:endParaRPr lang="en-US" altLang="zh-TW" dirty="0" smtClean="0"/>
           </a:p>
           <a:p>
             <a:pPr marL="621982" lvl="1" indent="-342900">
@@ -6113,18 +6202,18 @@
               <a:buAutoNum type="arabicPeriod"/>
             </a:pPr>
             <a:r>
-              <a:rPr lang="en-US" altLang="zh-TW" dirty="0" err="1"/>
+              <a:rPr lang="en-US" altLang="zh-TW" dirty="0" err="1" smtClean="0"/>
               <a:t>Laravel</a:t>
             </a:r>
             <a:r>
-              <a:rPr lang="en-US" altLang="zh-TW" dirty="0"/>
+              <a:rPr lang="en-US" altLang="zh-TW" dirty="0" smtClean="0"/>
               <a:t> </a:t>
             </a:r>
             <a:r>
-              <a:rPr lang="zh-TW" altLang="en-US" dirty="0"/>
+              <a:rPr lang="zh-TW" altLang="en-US" dirty="0" smtClean="0"/>
               <a:t>架構</a:t>
             </a:r>
-            <a:endParaRPr lang="en-US" altLang="zh-TW" dirty="0"/>
+            <a:endParaRPr lang="en-US" altLang="zh-TW" dirty="0" smtClean="0"/>
           </a:p>
           <a:p>
             <a:pPr marL="621982" lvl="1" indent="-342900">
@@ -6132,10 +6221,10 @@
               <a:buAutoNum type="arabicPeriod"/>
             </a:pPr>
             <a:r>
-              <a:rPr lang="en-US" altLang="zh-TW" dirty="0" err="1"/>
+              <a:rPr lang="en-US" altLang="zh-TW" dirty="0" err="1" smtClean="0"/>
               <a:t>Blade.php</a:t>
             </a:r>
-            <a:endParaRPr lang="en-US" altLang="zh-TW" dirty="0"/>
+            <a:endParaRPr lang="en-US" altLang="zh-TW" dirty="0" smtClean="0"/>
           </a:p>
           <a:p>
             <a:pPr marL="621982" lvl="1" indent="-342900">
@@ -6143,19 +6232,14 @@
               <a:buAutoNum type="arabicPeriod"/>
             </a:pPr>
             <a:r>
-              <a:rPr lang="en-US" altLang="zh-TW" dirty="0"/>
-              <a:t>Python selenium</a:t>
-            </a:r>
-          </a:p>
-          <a:p>
-            <a:pPr marL="621982" lvl="1" indent="-342900">
-              <a:buFont typeface="+mj-lt"/>
-              <a:buAutoNum type="arabicPeriod"/>
-            </a:pPr>
-            <a:r>
-              <a:rPr lang="en-US" altLang="zh-TW" dirty="0"/>
-              <a:t>SweetAlert2.js</a:t>
-            </a:r>
+              <a:rPr lang="en-US" altLang="zh-TW" dirty="0" smtClean="0"/>
+              <a:t>Python </a:t>
+            </a:r>
+            <a:r>
+              <a:rPr lang="en-US" altLang="zh-TW" smtClean="0"/>
+              <a:t>seleium</a:t>
+            </a:r>
+            <a:endParaRPr lang="en-US" altLang="zh-TW" dirty="0"/>
           </a:p>
         </p:txBody>
       </p:sp>
@@ -6181,6 +6265,13 @@
       </p:transition>
     </mc:Fallback>
   </mc:AlternateContent>
+  <p:timing>
+    <p:tnLst>
+      <p:par>
+        <p:cTn id="1" dur="indefinite" restart="never" nodeType="tmRoot"/>
+      </p:par>
+    </p:tnLst>
+  </p:timing>
 </p:sld>
 </file>
 
